--- a/trunk/flashgamemaker/tutorial/Tutorial#1-HelloWorld.pptx
+++ b/trunk/flashgamemaker/tutorial/Tutorial#1-HelloWorld.pptx
@@ -330,7 +330,7 @@
               <a:pPr>
                 <a:defRPr/>
               </a:pPr>
-              <a:t>22/10/2010</a:t>
+              <a:t>15/12/2010</a:t>
             </a:fld>
             <a:endParaRPr lang="fr-CA"/>
           </a:p>
@@ -522,7 +522,7 @@
               <a:pPr>
                 <a:defRPr/>
               </a:pPr>
-              <a:t>22/10/2010</a:t>
+              <a:t>15/12/2010</a:t>
             </a:fld>
             <a:endParaRPr lang="fr-CA"/>
           </a:p>
@@ -724,7 +724,7 @@
               <a:pPr>
                 <a:defRPr/>
               </a:pPr>
-              <a:t>22/10/2010</a:t>
+              <a:t>15/12/2010</a:t>
             </a:fld>
             <a:endParaRPr lang="fr-CA"/>
           </a:p>
@@ -916,7 +916,7 @@
               <a:pPr>
                 <a:defRPr/>
               </a:pPr>
-              <a:t>22/10/2010</a:t>
+              <a:t>15/12/2010</a:t>
             </a:fld>
             <a:endParaRPr lang="fr-CA"/>
           </a:p>
@@ -1184,7 +1184,7 @@
               <a:pPr>
                 <a:defRPr/>
               </a:pPr>
-              <a:t>22/10/2010</a:t>
+              <a:t>15/12/2010</a:t>
             </a:fld>
             <a:endParaRPr lang="fr-CA"/>
           </a:p>
@@ -1494,7 +1494,7 @@
               <a:pPr>
                 <a:defRPr/>
               </a:pPr>
-              <a:t>22/10/2010</a:t>
+              <a:t>15/12/2010</a:t>
             </a:fld>
             <a:endParaRPr lang="fr-CA"/>
           </a:p>
@@ -1938,7 +1938,7 @@
               <a:pPr>
                 <a:defRPr/>
               </a:pPr>
-              <a:t>22/10/2010</a:t>
+              <a:t>15/12/2010</a:t>
             </a:fld>
             <a:endParaRPr lang="fr-CA"/>
           </a:p>
@@ -2078,7 +2078,7 @@
               <a:pPr>
                 <a:defRPr/>
               </a:pPr>
-              <a:t>22/10/2010</a:t>
+              <a:t>15/12/2010</a:t>
             </a:fld>
             <a:endParaRPr lang="fr-CA"/>
           </a:p>
@@ -2195,7 +2195,7 @@
               <a:pPr>
                 <a:defRPr/>
               </a:pPr>
-              <a:t>22/10/2010</a:t>
+              <a:t>15/12/2010</a:t>
             </a:fld>
             <a:endParaRPr lang="fr-CA"/>
           </a:p>
@@ -2494,7 +2494,7 @@
               <a:pPr>
                 <a:defRPr/>
               </a:pPr>
-              <a:t>22/10/2010</a:t>
+              <a:t>15/12/2010</a:t>
             </a:fld>
             <a:endParaRPr lang="fr-CA"/>
           </a:p>
@@ -2776,7 +2776,7 @@
               <a:pPr>
                 <a:defRPr/>
               </a:pPr>
-              <a:t>22/10/2010</a:t>
+              <a:t>15/12/2010</a:t>
             </a:fld>
             <a:endParaRPr lang="fr-CA"/>
           </a:p>
@@ -3033,7 +3033,7 @@
               <a:pPr>
                 <a:defRPr/>
               </a:pPr>
-              <a:t>22/10/2010</a:t>
+              <a:t>15/12/2010</a:t>
             </a:fld>
             <a:endParaRPr lang="fr-CA"/>
           </a:p>
@@ -4189,8 +4189,49 @@
                 <a:latin typeface="MS Shell Dlg 2"/>
                 <a:cs typeface="Arial" pitchFamily="34" charset="0"/>
               </a:rPr>
-              <a:t>2.  </a:t>
-            </a:r>
+              <a:t>2. </a:t>
+            </a:r>
+            <a:r>
+              <a:rPr lang="en-US" sz="1000" dirty="0" smtClean="0">
+                <a:solidFill>
+                  <a:srgbClr val="303030"/>
+                </a:solidFill>
+                <a:latin typeface="MS Shell Dlg 2"/>
+                <a:cs typeface="Arial" pitchFamily="34" charset="0"/>
+              </a:rPr>
+              <a:t>import </a:t>
+            </a:r>
+            <a:r>
+              <a:rPr lang="en-US" sz="1000" dirty="0" err="1" smtClean="0">
+                <a:solidFill>
+                  <a:srgbClr val="303030"/>
+                </a:solidFill>
+                <a:latin typeface="MS Shell Dlg 2"/>
+                <a:cs typeface="Arial" pitchFamily="34" charset="0"/>
+              </a:rPr>
+              <a:t>script.tutorial</a:t>
+            </a:r>
+            <a:r>
+              <a:rPr lang="en-US" sz="1000" smtClean="0">
+                <a:solidFill>
+                  <a:srgbClr val="303030"/>
+                </a:solidFill>
+                <a:latin typeface="MS Shell Dlg 2"/>
+                <a:cs typeface="Arial" pitchFamily="34" charset="0"/>
+              </a:rPr>
+              <a:t>.*;</a:t>
+            </a:r>
+            <a:endParaRPr kumimoji="0" lang="en-US" sz="1000" b="0" i="0" u="none" strike="noStrike" cap="none" normalizeH="0" baseline="0" dirty="0" smtClean="0">
+              <a:ln>
+                <a:noFill/>
+              </a:ln>
+              <a:solidFill>
+                <a:srgbClr val="303030"/>
+              </a:solidFill>
+              <a:effectLst/>
+              <a:latin typeface="MS Shell Dlg 2"/>
+              <a:cs typeface="Arial" pitchFamily="34" charset="0"/>
+            </a:endParaRPr>
           </a:p>
           <a:p>
             <a:pPr lvl="1"/>
